--- a/presentables/MapMyShopping Presentation.pptx
+++ b/presentables/MapMyShopping Presentation.pptx
@@ -111,6 +111,11 @@
       </a:defRPr>
     </a:lvl9pPr>
   </p:defaultTextStyle>
+  <p:extLst>
+    <p:ext uri="{EFAFB233-063F-42B5-8137-9DF3F51BA10A}">
+      <p15:sldGuideLst xmlns:p15="http://schemas.microsoft.com/office/powerpoint/2012/main"/>
+    </p:ext>
+  </p:extLst>
 </p:presentation>
 </file>
 
@@ -196,7 +201,7 @@
           <a:p>
             <a:fld id="{3ADEC84D-C5DD-4103-9102-FD7800729235}" type="datetimeFigureOut">
               <a:rPr lang="en-US" smtClean="0"/>
-              <a:t>11/27/2022</a:t>
+              <a:t>11/28/2022</a:t>
             </a:fld>
             <a:endParaRPr lang="en-US"/>
           </a:p>
@@ -884,7 +889,7 @@
           <a:p>
             <a:fld id="{69E1F06F-EBC7-4A30-BCFE-603280B41FCE}" type="datetime1">
               <a:rPr lang="en-US" smtClean="0"/>
-              <a:t>11/27/2022</a:t>
+              <a:t>11/28/2022</a:t>
             </a:fld>
             <a:endParaRPr lang="en-US" dirty="0"/>
           </a:p>
@@ -1094,7 +1099,7 @@
             <a:pPr algn="r"/>
             <a:fld id="{F1BF223B-453F-4EA3-85F9-C5F6D122B632}" type="datetime1">
               <a:rPr lang="en-US" smtClean="0"/>
-              <a:t>11/27/2022</a:t>
+              <a:t>11/28/2022</a:t>
             </a:fld>
             <a:endParaRPr lang="en-US" dirty="0"/>
           </a:p>
@@ -1308,7 +1313,7 @@
             <a:pPr algn="r"/>
             <a:fld id="{C2C3EFA4-BB43-4363-AB29-174CBE455BCD}" type="datetime1">
               <a:rPr lang="en-US" smtClean="0"/>
-              <a:t>11/27/2022</a:t>
+              <a:t>11/28/2022</a:t>
             </a:fld>
             <a:endParaRPr lang="en-US" dirty="0"/>
           </a:p>
@@ -1510,7 +1515,7 @@
             <a:pPr algn="r"/>
             <a:fld id="{98010259-3943-4DB8-BE38-454618DC18ED}" type="datetime1">
               <a:rPr lang="en-US" smtClean="0"/>
-              <a:t>11/27/2022</a:t>
+              <a:t>11/28/2022</a:t>
             </a:fld>
             <a:endParaRPr lang="en-US" dirty="0"/>
           </a:p>
@@ -1793,7 +1798,7 @@
             <a:pPr algn="r"/>
             <a:fld id="{7DF67159-06A4-4812-A6B4-4AFB3A73AB3F}" type="datetime1">
               <a:rPr lang="en-US" smtClean="0"/>
-              <a:t>11/27/2022</a:t>
+              <a:t>11/28/2022</a:t>
             </a:fld>
             <a:endParaRPr lang="en-US" dirty="0"/>
           </a:p>
@@ -2036,7 +2041,7 @@
             <a:pPr algn="r"/>
             <a:fld id="{96881A80-DACB-48EE-994C-8AE5AE958BA5}" type="datetime1">
               <a:rPr lang="en-US" smtClean="0"/>
-              <a:t>11/27/2022</a:t>
+              <a:t>11/28/2022</a:t>
             </a:fld>
             <a:endParaRPr lang="en-US" dirty="0"/>
           </a:p>
@@ -2478,7 +2483,7 @@
             <a:pPr algn="r"/>
             <a:fld id="{9DC5FDC5-7D33-4AD1-A58B-8E2DEEEC6322}" type="datetime1">
               <a:rPr lang="en-US" smtClean="0"/>
-              <a:t>11/27/2022</a:t>
+              <a:t>11/28/2022</a:t>
             </a:fld>
             <a:endParaRPr lang="en-US" dirty="0"/>
           </a:p>
@@ -2623,7 +2628,7 @@
             <a:pPr algn="r"/>
             <a:fld id="{28CAE922-7C22-4550-AE69-D3A6DA7FD97A}" type="datetime1">
               <a:rPr lang="en-US" smtClean="0"/>
-              <a:t>11/27/2022</a:t>
+              <a:t>11/28/2022</a:t>
             </a:fld>
             <a:endParaRPr lang="en-US" dirty="0"/>
           </a:p>
@@ -2740,7 +2745,7 @@
             <a:pPr algn="r"/>
             <a:fld id="{74954FB0-CA9A-4973-91CE-DABFAF89C391}" type="datetime1">
               <a:rPr lang="en-US" smtClean="0"/>
-              <a:t>11/27/2022</a:t>
+              <a:t>11/28/2022</a:t>
             </a:fld>
             <a:endParaRPr lang="en-US" dirty="0"/>
           </a:p>
@@ -3023,7 +3028,7 @@
             <a:pPr algn="r"/>
             <a:fld id="{EF469EAC-8A44-432C-9F74-F14A968442DF}" type="datetime1">
               <a:rPr lang="en-US" smtClean="0"/>
-              <a:t>11/27/2022</a:t>
+              <a:t>11/28/2022</a:t>
             </a:fld>
             <a:endParaRPr lang="en-US" dirty="0"/>
           </a:p>
@@ -3317,7 +3322,7 @@
             <a:pPr algn="r"/>
             <a:fld id="{5C9DB099-B824-4593-B7DE-2ADE60EDB8AB}" type="datetime1">
               <a:rPr lang="en-US" smtClean="0"/>
-              <a:t>11/27/2022</a:t>
+              <a:t>11/28/2022</a:t>
             </a:fld>
             <a:endParaRPr lang="en-US" dirty="0"/>
           </a:p>
@@ -3811,7 +3816,7 @@
             <a:pPr algn="r"/>
             <a:fld id="{4709CEDB-B79F-4F08-9519-2D548576828B}" type="datetime1">
               <a:rPr lang="en-US" smtClean="0"/>
-              <a:t>11/27/2022</a:t>
+              <a:t>11/28/2022</a:t>
             </a:fld>
             <a:endParaRPr lang="en-US" dirty="0"/>
           </a:p>
@@ -4894,6 +4899,50 @@
           </a:p>
         </p:txBody>
       </p:sp>
+      <p:sp>
+        <p:nvSpPr>
+          <p:cNvPr id="5" name="TextBox 4">
+            <a:extLst>
+              <a:ext uri="{FF2B5EF4-FFF2-40B4-BE49-F238E27FC236}">
+                <a16:creationId xmlns:a16="http://schemas.microsoft.com/office/drawing/2014/main" id="{76023E52-50DB-87B3-4482-073B8DBAFDD6}"/>
+              </a:ext>
+            </a:extLst>
+          </p:cNvPr>
+          <p:cNvSpPr txBox="1"/>
+          <p:nvPr/>
+        </p:nvSpPr>
+        <p:spPr>
+          <a:xfrm>
+            <a:off x="344734" y="4643021"/>
+            <a:ext cx="11502531" cy="1477328"/>
+          </a:xfrm>
+          <a:prstGeom prst="rect">
+            <a:avLst/>
+          </a:prstGeom>
+          <a:noFill/>
+        </p:spPr>
+        <p:txBody>
+          <a:bodyPr wrap="square" rtlCol="0">
+            <a:spAutoFit/>
+          </a:bodyPr>
+          <a:lstStyle/>
+          <a:p>
+            <a:r>
+              <a:rPr lang="en-US" dirty="0"/>
+              <a:t>The goal of this app is to help aid in the shopping experience of users. This app can be used by anyone with a smartphone.</a:t>
+            </a:r>
+          </a:p>
+          <a:p>
+            <a:endParaRPr lang="en-US" dirty="0"/>
+          </a:p>
+          <a:p>
+            <a:r>
+              <a:rPr lang="en-US" dirty="0"/>
+              <a:t>From our research and need finding we found that consumers often have trouble finding where their items are in store. Our app hopes to solve that.</a:t>
+            </a:r>
+          </a:p>
+        </p:txBody>
+      </p:sp>
     </p:spTree>
     <p:extLst>
       <p:ext uri="{BB962C8B-B14F-4D97-AF65-F5344CB8AC3E}">
@@ -5194,6 +5243,50 @@
           </a:p>
         </p:txBody>
       </p:sp>
+      <p:sp>
+        <p:nvSpPr>
+          <p:cNvPr id="5" name="TextBox 4">
+            <a:extLst>
+              <a:ext uri="{FF2B5EF4-FFF2-40B4-BE49-F238E27FC236}">
+                <a16:creationId xmlns:a16="http://schemas.microsoft.com/office/drawing/2014/main" id="{5C98574C-8870-F8D7-4CAF-36C27F9CB7E1}"/>
+              </a:ext>
+            </a:extLst>
+          </p:cNvPr>
+          <p:cNvSpPr txBox="1"/>
+          <p:nvPr/>
+        </p:nvSpPr>
+        <p:spPr>
+          <a:xfrm>
+            <a:off x="426128" y="4136994"/>
+            <a:ext cx="10759736" cy="2031325"/>
+          </a:xfrm>
+          <a:prstGeom prst="rect">
+            <a:avLst/>
+          </a:prstGeom>
+          <a:noFill/>
+        </p:spPr>
+        <p:txBody>
+          <a:bodyPr wrap="square" rtlCol="0">
+            <a:spAutoFit/>
+          </a:bodyPr>
+          <a:lstStyle/>
+          <a:p>
+            <a:r>
+              <a:rPr lang="en-US" dirty="0"/>
+              <a:t>One of the design choices we made was to not have a account component. We found that similar apps to ours would often lock features behind creating an account (or even worse the entire app). For people who may not like sharing information or just need the app for its quick function it makes no sense to require an account for features. The principle this relates to is to not interfere with the users task. Locking features behind account creation certainly violates that principle.</a:t>
+            </a:r>
+          </a:p>
+          <a:p>
+            <a:endParaRPr lang="en-US" dirty="0"/>
+          </a:p>
+          <a:p>
+            <a:r>
+              <a:rPr lang="en-US" dirty="0"/>
+              <a:t>(Do you want to talk about your choice to switch to a navbar?)</a:t>
+            </a:r>
+          </a:p>
+        </p:txBody>
+      </p:sp>
     </p:spTree>
     <p:extLst>
       <p:ext uri="{BB962C8B-B14F-4D97-AF65-F5344CB8AC3E}">
@@ -5339,6 +5432,55 @@
               <a:t>5</a:t>
             </a:fld>
             <a:endParaRPr lang="en-US" dirty="0"/>
+          </a:p>
+        </p:txBody>
+      </p:sp>
+      <p:sp>
+        <p:nvSpPr>
+          <p:cNvPr id="5" name="TextBox 4">
+            <a:extLst>
+              <a:ext uri="{FF2B5EF4-FFF2-40B4-BE49-F238E27FC236}">
+                <a16:creationId xmlns:a16="http://schemas.microsoft.com/office/drawing/2014/main" id="{47EC3E3F-1E23-70F6-BBD6-3AE7BC8EBD58}"/>
+              </a:ext>
+            </a:extLst>
+          </p:cNvPr>
+          <p:cNvSpPr txBox="1"/>
+          <p:nvPr/>
+        </p:nvSpPr>
+        <p:spPr>
+          <a:xfrm>
+            <a:off x="213064" y="3429000"/>
+            <a:ext cx="10955045" cy="1200329"/>
+          </a:xfrm>
+          <a:prstGeom prst="rect">
+            <a:avLst/>
+          </a:prstGeom>
+          <a:noFill/>
+        </p:spPr>
+        <p:txBody>
+          <a:bodyPr wrap="square" rtlCol="0">
+            <a:spAutoFit/>
+          </a:bodyPr>
+          <a:lstStyle/>
+          <a:p>
+            <a:r>
+              <a:rPr lang="en-US" dirty="0"/>
+              <a:t>We used </a:t>
+            </a:r>
+            <a:r>
+              <a:rPr lang="en-US" dirty="0" err="1"/>
+              <a:t>VSCode</a:t>
+            </a:r>
+            <a:r>
+              <a:rPr lang="en-US" dirty="0"/>
+              <a:t>, Figma. Flutter, and Android App Development Software. </a:t>
+            </a:r>
+          </a:p>
+          <a:p>
+            <a:r>
+              <a:rPr lang="en-US" dirty="0"/>
+              <a:t>The technologies that we used were helpful in supporting the design principles because we were able to more easily craft our app to avoid breaking the principles. Using the emulator we could see how our interfaces looked on a phone and what positioning/sizing made sense.</a:t>
+            </a:r>
           </a:p>
         </p:txBody>
       </p:sp>

--- a/presentables/MapMyShopping Presentation.pptx
+++ b/presentables/MapMyShopping Presentation.pptx
@@ -201,7 +201,7 @@
           <a:p>
             <a:fld id="{3ADEC84D-C5DD-4103-9102-FD7800729235}" type="datetimeFigureOut">
               <a:rPr lang="en-US" smtClean="0"/>
-              <a:t>11/28/2022</a:t>
+              <a:t>11/29/2022</a:t>
             </a:fld>
             <a:endParaRPr lang="en-US"/>
           </a:p>
@@ -468,6 +468,294 @@
 </p:notesMaster>
 </file>
 
+<file path=ppt/notesSlides/notesSlide1.xml><?xml version="1.0" encoding="utf-8"?>
+<p:notes xmlns:a="http://schemas.openxmlformats.org/drawingml/2006/main" xmlns:r="http://schemas.openxmlformats.org/officeDocument/2006/relationships" xmlns:p="http://schemas.openxmlformats.org/presentationml/2006/main">
+  <p:cSld>
+    <p:spTree>
+      <p:nvGrpSpPr>
+        <p:cNvPr id="1" name=""/>
+        <p:cNvGrpSpPr/>
+        <p:nvPr/>
+      </p:nvGrpSpPr>
+      <p:grpSpPr>
+        <a:xfrm>
+          <a:off x="0" y="0"/>
+          <a:ext cx="0" cy="0"/>
+          <a:chOff x="0" y="0"/>
+          <a:chExt cx="0" cy="0"/>
+        </a:xfrm>
+      </p:grpSpPr>
+      <p:sp>
+        <p:nvSpPr>
+          <p:cNvPr id="2" name="Slide Image Placeholder 1"/>
+          <p:cNvSpPr>
+            <a:spLocks noGrp="1" noRot="1" noChangeAspect="1"/>
+          </p:cNvSpPr>
+          <p:nvPr>
+            <p:ph type="sldImg"/>
+          </p:nvPr>
+        </p:nvSpPr>
+        <p:spPr/>
+      </p:sp>
+      <p:sp>
+        <p:nvSpPr>
+          <p:cNvPr id="3" name="Notes Placeholder 2"/>
+          <p:cNvSpPr>
+            <a:spLocks noGrp="1"/>
+          </p:cNvSpPr>
+          <p:nvPr>
+            <p:ph type="body" idx="1"/>
+          </p:nvPr>
+        </p:nvSpPr>
+        <p:spPr/>
+        <p:txBody>
+          <a:bodyPr/>
+          <a:lstStyle/>
+          <a:p>
+            <a:r>
+              <a:rPr lang="en-US" dirty="0"/>
+              <a:t>The goal of this app is to help aid in the shopping experience of users. This app can be used by anyone with a smartphone.</a:t>
+            </a:r>
+          </a:p>
+          <a:p>
+            <a:endParaRPr lang="en-US" dirty="0"/>
+          </a:p>
+          <a:p>
+            <a:r>
+              <a:rPr lang="en-US" dirty="0"/>
+              <a:t>From our research and need finding we found that consumers often have trouble finding where their items are in store. Our app hopes to solve that.</a:t>
+            </a:r>
+          </a:p>
+          <a:p>
+            <a:endParaRPr lang="en-US" dirty="0"/>
+          </a:p>
+        </p:txBody>
+      </p:sp>
+      <p:sp>
+        <p:nvSpPr>
+          <p:cNvPr id="4" name="Slide Number Placeholder 3"/>
+          <p:cNvSpPr>
+            <a:spLocks noGrp="1"/>
+          </p:cNvSpPr>
+          <p:nvPr>
+            <p:ph type="sldNum" sz="quarter" idx="5"/>
+          </p:nvPr>
+        </p:nvSpPr>
+        <p:spPr/>
+        <p:txBody>
+          <a:bodyPr/>
+          <a:lstStyle/>
+          <a:p>
+            <a:fld id="{8602C959-50A3-4B37-8066-C0082B8386FF}" type="slidenum">
+              <a:rPr lang="en-US" smtClean="0"/>
+              <a:t>2</a:t>
+            </a:fld>
+            <a:endParaRPr lang="en-US"/>
+          </a:p>
+        </p:txBody>
+      </p:sp>
+    </p:spTree>
+    <p:extLst>
+      <p:ext uri="{BB962C8B-B14F-4D97-AF65-F5344CB8AC3E}">
+        <p14:creationId xmlns:p14="http://schemas.microsoft.com/office/powerpoint/2010/main" val="509491659"/>
+      </p:ext>
+    </p:extLst>
+  </p:cSld>
+  <p:clrMapOvr>
+    <a:masterClrMapping/>
+  </p:clrMapOvr>
+</p:notes>
+</file>
+
+<file path=ppt/notesSlides/notesSlide2.xml><?xml version="1.0" encoding="utf-8"?>
+<p:notes xmlns:a="http://schemas.openxmlformats.org/drawingml/2006/main" xmlns:r="http://schemas.openxmlformats.org/officeDocument/2006/relationships" xmlns:p="http://schemas.openxmlformats.org/presentationml/2006/main">
+  <p:cSld>
+    <p:spTree>
+      <p:nvGrpSpPr>
+        <p:cNvPr id="1" name=""/>
+        <p:cNvGrpSpPr/>
+        <p:nvPr/>
+      </p:nvGrpSpPr>
+      <p:grpSpPr>
+        <a:xfrm>
+          <a:off x="0" y="0"/>
+          <a:ext cx="0" cy="0"/>
+          <a:chOff x="0" y="0"/>
+          <a:chExt cx="0" cy="0"/>
+        </a:xfrm>
+      </p:grpSpPr>
+      <p:sp>
+        <p:nvSpPr>
+          <p:cNvPr id="2" name="Slide Image Placeholder 1"/>
+          <p:cNvSpPr>
+            <a:spLocks noGrp="1" noRot="1" noChangeAspect="1"/>
+          </p:cNvSpPr>
+          <p:nvPr>
+            <p:ph type="sldImg"/>
+          </p:nvPr>
+        </p:nvSpPr>
+        <p:spPr/>
+      </p:sp>
+      <p:sp>
+        <p:nvSpPr>
+          <p:cNvPr id="3" name="Notes Placeholder 2"/>
+          <p:cNvSpPr>
+            <a:spLocks noGrp="1"/>
+          </p:cNvSpPr>
+          <p:nvPr>
+            <p:ph type="body" idx="1"/>
+          </p:nvPr>
+        </p:nvSpPr>
+        <p:spPr/>
+        <p:txBody>
+          <a:bodyPr/>
+          <a:lstStyle/>
+          <a:p>
+            <a:r>
+              <a:rPr lang="en-US" dirty="0"/>
+              <a:t>One of the design choices we made was to not have a account component. We found that similar apps to ours would often lock features behind creating an account (or even worse the entire app). For people who may not like sharing information or just need the app for its quick function it makes no sense to require an account for features. The principle this relates to is to not interfere with the users task. Locking features behind account creation certainly violates that principle.</a:t>
+            </a:r>
+          </a:p>
+          <a:p>
+            <a:endParaRPr lang="en-US" dirty="0"/>
+          </a:p>
+          <a:p>
+            <a:endParaRPr lang="en-US" dirty="0"/>
+          </a:p>
+        </p:txBody>
+      </p:sp>
+      <p:sp>
+        <p:nvSpPr>
+          <p:cNvPr id="4" name="Slide Number Placeholder 3"/>
+          <p:cNvSpPr>
+            <a:spLocks noGrp="1"/>
+          </p:cNvSpPr>
+          <p:nvPr>
+            <p:ph type="sldNum" sz="quarter" idx="5"/>
+          </p:nvPr>
+        </p:nvSpPr>
+        <p:spPr/>
+        <p:txBody>
+          <a:bodyPr/>
+          <a:lstStyle/>
+          <a:p>
+            <a:fld id="{8602C959-50A3-4B37-8066-C0082B8386FF}" type="slidenum">
+              <a:rPr lang="en-US" smtClean="0"/>
+              <a:t>4</a:t>
+            </a:fld>
+            <a:endParaRPr lang="en-US"/>
+          </a:p>
+        </p:txBody>
+      </p:sp>
+    </p:spTree>
+    <p:extLst>
+      <p:ext uri="{BB962C8B-B14F-4D97-AF65-F5344CB8AC3E}">
+        <p14:creationId xmlns:p14="http://schemas.microsoft.com/office/powerpoint/2010/main" val="4183543008"/>
+      </p:ext>
+    </p:extLst>
+  </p:cSld>
+  <p:clrMapOvr>
+    <a:masterClrMapping/>
+  </p:clrMapOvr>
+</p:notes>
+</file>
+
+<file path=ppt/notesSlides/notesSlide3.xml><?xml version="1.0" encoding="utf-8"?>
+<p:notes xmlns:a="http://schemas.openxmlformats.org/drawingml/2006/main" xmlns:r="http://schemas.openxmlformats.org/officeDocument/2006/relationships" xmlns:p="http://schemas.openxmlformats.org/presentationml/2006/main">
+  <p:cSld>
+    <p:spTree>
+      <p:nvGrpSpPr>
+        <p:cNvPr id="1" name=""/>
+        <p:cNvGrpSpPr/>
+        <p:nvPr/>
+      </p:nvGrpSpPr>
+      <p:grpSpPr>
+        <a:xfrm>
+          <a:off x="0" y="0"/>
+          <a:ext cx="0" cy="0"/>
+          <a:chOff x="0" y="0"/>
+          <a:chExt cx="0" cy="0"/>
+        </a:xfrm>
+      </p:grpSpPr>
+      <p:sp>
+        <p:nvSpPr>
+          <p:cNvPr id="2" name="Slide Image Placeholder 1"/>
+          <p:cNvSpPr>
+            <a:spLocks noGrp="1" noRot="1" noChangeAspect="1"/>
+          </p:cNvSpPr>
+          <p:nvPr>
+            <p:ph type="sldImg"/>
+          </p:nvPr>
+        </p:nvSpPr>
+        <p:spPr/>
+      </p:sp>
+      <p:sp>
+        <p:nvSpPr>
+          <p:cNvPr id="3" name="Notes Placeholder 2"/>
+          <p:cNvSpPr>
+            <a:spLocks noGrp="1"/>
+          </p:cNvSpPr>
+          <p:nvPr>
+            <p:ph type="body" idx="1"/>
+          </p:nvPr>
+        </p:nvSpPr>
+        <p:spPr/>
+        <p:txBody>
+          <a:bodyPr/>
+          <a:lstStyle/>
+          <a:p>
+            <a:r>
+              <a:rPr lang="en-US" dirty="0"/>
+              <a:t>We used VSCode, Figma. Flutter, and Android App Development Software. </a:t>
+            </a:r>
+          </a:p>
+          <a:p>
+            <a:r>
+              <a:rPr lang="en-US" dirty="0"/>
+              <a:t>The technologies that we used were helpful in supporting the design principles because we were able to more easily craft our app to avoid breaking the principles. Using the emulator we could see how our interfaces looked on a phone and what positioning/sizing made sense.</a:t>
+            </a:r>
+          </a:p>
+          <a:p>
+            <a:endParaRPr lang="en-US" dirty="0"/>
+          </a:p>
+        </p:txBody>
+      </p:sp>
+      <p:sp>
+        <p:nvSpPr>
+          <p:cNvPr id="4" name="Slide Number Placeholder 3"/>
+          <p:cNvSpPr>
+            <a:spLocks noGrp="1"/>
+          </p:cNvSpPr>
+          <p:nvPr>
+            <p:ph type="sldNum" sz="quarter" idx="5"/>
+          </p:nvPr>
+        </p:nvSpPr>
+        <p:spPr/>
+        <p:txBody>
+          <a:bodyPr/>
+          <a:lstStyle/>
+          <a:p>
+            <a:fld id="{8602C959-50A3-4B37-8066-C0082B8386FF}" type="slidenum">
+              <a:rPr lang="en-US" smtClean="0"/>
+              <a:t>5</a:t>
+            </a:fld>
+            <a:endParaRPr lang="en-US"/>
+          </a:p>
+        </p:txBody>
+      </p:sp>
+    </p:spTree>
+    <p:extLst>
+      <p:ext uri="{BB962C8B-B14F-4D97-AF65-F5344CB8AC3E}">
+        <p14:creationId xmlns:p14="http://schemas.microsoft.com/office/powerpoint/2010/main" val="1107158250"/>
+      </p:ext>
+    </p:extLst>
+  </p:cSld>
+  <p:clrMapOvr>
+    <a:masterClrMapping/>
+  </p:clrMapOvr>
+</p:notes>
+</file>
+
 <file path=ppt/slideLayouts/slideLayout1.xml><?xml version="1.0" encoding="utf-8"?>
 <p:sldLayout xmlns:a="http://schemas.openxmlformats.org/drawingml/2006/main" xmlns:r="http://schemas.openxmlformats.org/officeDocument/2006/relationships" xmlns:p="http://schemas.openxmlformats.org/presentationml/2006/main" showMasterSp="0" type="title" preserve="1">
   <p:cSld name="Title Slide">
@@ -889,7 +1177,7 @@
           <a:p>
             <a:fld id="{69E1F06F-EBC7-4A30-BCFE-603280B41FCE}" type="datetime1">
               <a:rPr lang="en-US" smtClean="0"/>
-              <a:t>11/28/2022</a:t>
+              <a:t>11/29/2022</a:t>
             </a:fld>
             <a:endParaRPr lang="en-US" dirty="0"/>
           </a:p>
@@ -1099,7 +1387,7 @@
             <a:pPr algn="r"/>
             <a:fld id="{F1BF223B-453F-4EA3-85F9-C5F6D122B632}" type="datetime1">
               <a:rPr lang="en-US" smtClean="0"/>
-              <a:t>11/28/2022</a:t>
+              <a:t>11/29/2022</a:t>
             </a:fld>
             <a:endParaRPr lang="en-US" dirty="0"/>
           </a:p>
@@ -1313,7 +1601,7 @@
             <a:pPr algn="r"/>
             <a:fld id="{C2C3EFA4-BB43-4363-AB29-174CBE455BCD}" type="datetime1">
               <a:rPr lang="en-US" smtClean="0"/>
-              <a:t>11/28/2022</a:t>
+              <a:t>11/29/2022</a:t>
             </a:fld>
             <a:endParaRPr lang="en-US" dirty="0"/>
           </a:p>
@@ -1515,7 +1803,7 @@
             <a:pPr algn="r"/>
             <a:fld id="{98010259-3943-4DB8-BE38-454618DC18ED}" type="datetime1">
               <a:rPr lang="en-US" smtClean="0"/>
-              <a:t>11/28/2022</a:t>
+              <a:t>11/29/2022</a:t>
             </a:fld>
             <a:endParaRPr lang="en-US" dirty="0"/>
           </a:p>
@@ -1798,7 +2086,7 @@
             <a:pPr algn="r"/>
             <a:fld id="{7DF67159-06A4-4812-A6B4-4AFB3A73AB3F}" type="datetime1">
               <a:rPr lang="en-US" smtClean="0"/>
-              <a:t>11/28/2022</a:t>
+              <a:t>11/29/2022</a:t>
             </a:fld>
             <a:endParaRPr lang="en-US" dirty="0"/>
           </a:p>
@@ -2041,7 +2329,7 @@
             <a:pPr algn="r"/>
             <a:fld id="{96881A80-DACB-48EE-994C-8AE5AE958BA5}" type="datetime1">
               <a:rPr lang="en-US" smtClean="0"/>
-              <a:t>11/28/2022</a:t>
+              <a:t>11/29/2022</a:t>
             </a:fld>
             <a:endParaRPr lang="en-US" dirty="0"/>
           </a:p>
@@ -2483,7 +2771,7 @@
             <a:pPr algn="r"/>
             <a:fld id="{9DC5FDC5-7D33-4AD1-A58B-8E2DEEEC6322}" type="datetime1">
               <a:rPr lang="en-US" smtClean="0"/>
-              <a:t>11/28/2022</a:t>
+              <a:t>11/29/2022</a:t>
             </a:fld>
             <a:endParaRPr lang="en-US" dirty="0"/>
           </a:p>
@@ -2628,7 +2916,7 @@
             <a:pPr algn="r"/>
             <a:fld id="{28CAE922-7C22-4550-AE69-D3A6DA7FD97A}" type="datetime1">
               <a:rPr lang="en-US" smtClean="0"/>
-              <a:t>11/28/2022</a:t>
+              <a:t>11/29/2022</a:t>
             </a:fld>
             <a:endParaRPr lang="en-US" dirty="0"/>
           </a:p>
@@ -2745,7 +3033,7 @@
             <a:pPr algn="r"/>
             <a:fld id="{74954FB0-CA9A-4973-91CE-DABFAF89C391}" type="datetime1">
               <a:rPr lang="en-US" smtClean="0"/>
-              <a:t>11/28/2022</a:t>
+              <a:t>11/29/2022</a:t>
             </a:fld>
             <a:endParaRPr lang="en-US" dirty="0"/>
           </a:p>
@@ -3028,7 +3316,7 @@
             <a:pPr algn="r"/>
             <a:fld id="{EF469EAC-8A44-432C-9F74-F14A968442DF}" type="datetime1">
               <a:rPr lang="en-US" smtClean="0"/>
-              <a:t>11/28/2022</a:t>
+              <a:t>11/29/2022</a:t>
             </a:fld>
             <a:endParaRPr lang="en-US" dirty="0"/>
           </a:p>
@@ -3322,7 +3610,7 @@
             <a:pPr algn="r"/>
             <a:fld id="{5C9DB099-B824-4593-B7DE-2ADE60EDB8AB}" type="datetime1">
               <a:rPr lang="en-US" smtClean="0"/>
-              <a:t>11/28/2022</a:t>
+              <a:t>11/29/2022</a:t>
             </a:fld>
             <a:endParaRPr lang="en-US" dirty="0"/>
           </a:p>
@@ -3816,7 +4104,7 @@
             <a:pPr algn="r"/>
             <a:fld id="{4709CEDB-B79F-4F08-9519-2D548576828B}" type="datetime1">
               <a:rPr lang="en-US" smtClean="0"/>
-              <a:t>11/28/2022</a:t>
+              <a:t>11/29/2022</a:t>
             </a:fld>
             <a:endParaRPr lang="en-US" dirty="0"/>
           </a:p>
@@ -4793,7 +5081,12 @@
             <p:ph idx="1"/>
           </p:nvPr>
         </p:nvSpPr>
-        <p:spPr/>
+        <p:spPr>
+          <a:xfrm>
+            <a:off x="10042279" y="497930"/>
+            <a:ext cx="3561667" cy="2794953"/>
+          </a:xfrm>
+        </p:spPr>
         <p:txBody>
           <a:bodyPr/>
           <a:lstStyle/>
@@ -4901,10 +5194,10 @@
       </p:sp>
       <p:sp>
         <p:nvSpPr>
-          <p:cNvPr id="5" name="TextBox 4">
-            <a:extLst>
-              <a:ext uri="{FF2B5EF4-FFF2-40B4-BE49-F238E27FC236}">
-                <a16:creationId xmlns:a16="http://schemas.microsoft.com/office/drawing/2014/main" id="{76023E52-50DB-87B3-4482-073B8DBAFDD6}"/>
+          <p:cNvPr id="7" name="TextBox 6">
+            <a:extLst>
+              <a:ext uri="{FF2B5EF4-FFF2-40B4-BE49-F238E27FC236}">
+                <a16:creationId xmlns:a16="http://schemas.microsoft.com/office/drawing/2014/main" id="{A984533D-4EC9-30E2-52BC-0938423F40F5}"/>
               </a:ext>
             </a:extLst>
           </p:cNvPr>
@@ -4913,8 +5206,8 @@
         </p:nvSpPr>
         <p:spPr>
           <a:xfrm>
-            <a:off x="344734" y="4643021"/>
-            <a:ext cx="11502531" cy="1477328"/>
+            <a:off x="352056" y="2343733"/>
+            <a:ext cx="11340292" cy="3170099"/>
           </a:xfrm>
           <a:prstGeom prst="rect">
             <a:avLst/>
@@ -4927,18 +5220,39 @@
           </a:bodyPr>
           <a:lstStyle/>
           <a:p>
-            <a:r>
-              <a:rPr lang="en-US" dirty="0"/>
-              <a:t>The goal of this app is to help aid in the shopping experience of users. This app can be used by anyone with a smartphone.</a:t>
-            </a:r>
-          </a:p>
-          <a:p>
-            <a:endParaRPr lang="en-US" dirty="0"/>
-          </a:p>
-          <a:p>
-            <a:r>
-              <a:rPr lang="en-US" dirty="0"/>
-              <a:t>From our research and need finding we found that consumers often have trouble finding where their items are in store. Our app hopes to solve that.</a:t>
+            <a:pPr marL="285750" indent="-285750">
+              <a:buFont typeface="Arial" panose="020B0604020202020204" pitchFamily="34" charset="0"/>
+              <a:buChar char="•"/>
+            </a:pPr>
+            <a:r>
+              <a:rPr lang="en-US" sz="4000" dirty="0"/>
+              <a:t>What: Make shopping easier</a:t>
+            </a:r>
+          </a:p>
+          <a:p>
+            <a:endParaRPr lang="en-US" sz="4000" dirty="0"/>
+          </a:p>
+          <a:p>
+            <a:pPr marL="285750" indent="-285750">
+              <a:buFont typeface="Arial" panose="020B0604020202020204" pitchFamily="34" charset="0"/>
+              <a:buChar char="•"/>
+            </a:pPr>
+            <a:r>
+              <a:rPr lang="en-US" sz="4000" dirty="0"/>
+              <a:t>Who: Anyone who has a smartphone</a:t>
+            </a:r>
+          </a:p>
+          <a:p>
+            <a:endParaRPr lang="en-US" sz="4000" dirty="0"/>
+          </a:p>
+          <a:p>
+            <a:pPr marL="285750" indent="-285750">
+              <a:buFont typeface="Arial" panose="020B0604020202020204" pitchFamily="34" charset="0"/>
+              <a:buChar char="•"/>
+            </a:pPr>
+            <a:r>
+              <a:rPr lang="en-US" sz="4000" dirty="0"/>
+              <a:t>Issue: Locating Items</a:t>
             </a:r>
           </a:p>
         </p:txBody>
@@ -5118,9 +5432,16 @@
             <p:ph idx="1"/>
           </p:nvPr>
         </p:nvSpPr>
-        <p:spPr/>
-        <p:txBody>
-          <a:bodyPr/>
+        <p:spPr>
+          <a:xfrm>
+            <a:off x="7211411" y="-101197"/>
+            <a:ext cx="6245352" cy="2540429"/>
+          </a:xfrm>
+        </p:spPr>
+        <p:txBody>
+          <a:bodyPr>
+            <a:normAutofit lnSpcReduction="10000"/>
+          </a:bodyPr>
           <a:lstStyle/>
           <a:p>
             <a:pPr marL="0" indent="0" algn="l">
@@ -5245,10 +5566,10 @@
       </p:sp>
       <p:sp>
         <p:nvSpPr>
-          <p:cNvPr id="5" name="TextBox 4">
-            <a:extLst>
-              <a:ext uri="{FF2B5EF4-FFF2-40B4-BE49-F238E27FC236}">
-                <a16:creationId xmlns:a16="http://schemas.microsoft.com/office/drawing/2014/main" id="{5C98574C-8870-F8D7-4CAF-36C27F9CB7E1}"/>
+          <p:cNvPr id="6" name="TextBox 5">
+            <a:extLst>
+              <a:ext uri="{FF2B5EF4-FFF2-40B4-BE49-F238E27FC236}">
+                <a16:creationId xmlns:a16="http://schemas.microsoft.com/office/drawing/2014/main" id="{AF0FBC7F-BDD7-BD15-0540-A0DB74331848}"/>
               </a:ext>
             </a:extLst>
           </p:cNvPr>
@@ -5257,8 +5578,8 @@
         </p:nvSpPr>
         <p:spPr>
           <a:xfrm>
-            <a:off x="426128" y="4136994"/>
-            <a:ext cx="10759736" cy="2031325"/>
+            <a:off x="758952" y="2639505"/>
+            <a:ext cx="10124388" cy="1938992"/>
           </a:xfrm>
           <a:prstGeom prst="rect">
             <a:avLst/>
@@ -5271,18 +5592,29 @@
           </a:bodyPr>
           <a:lstStyle/>
           <a:p>
-            <a:r>
-              <a:rPr lang="en-US" dirty="0"/>
-              <a:t>One of the design choices we made was to not have a account component. We found that similar apps to ours would often lock features behind creating an account (or even worse the entire app). For people who may not like sharing information or just need the app for its quick function it makes no sense to require an account for features. The principle this relates to is to not interfere with the users task. Locking features behind account creation certainly violates that principle.</a:t>
-            </a:r>
-          </a:p>
-          <a:p>
-            <a:endParaRPr lang="en-US" dirty="0"/>
-          </a:p>
-          <a:p>
-            <a:r>
-              <a:rPr lang="en-US" dirty="0"/>
-              <a:t>(Do you want to talk about your choice to switch to a navbar?)</a:t>
+            <a:pPr marL="285750" indent="-285750">
+              <a:buFont typeface="Arial" panose="020B0604020202020204" pitchFamily="34" charset="0"/>
+              <a:buChar char="•"/>
+            </a:pPr>
+            <a:r>
+              <a:rPr lang="en-US" sz="4000" dirty="0"/>
+              <a:t>Design Choices: No accounts, Navbar,</a:t>
+            </a:r>
+          </a:p>
+          <a:p>
+            <a:r>
+              <a:rPr lang="en-US" sz="4000" dirty="0"/>
+              <a:t>  </a:t>
+            </a:r>
+          </a:p>
+          <a:p>
+            <a:pPr marL="285750" indent="-285750">
+              <a:buFont typeface="Arial" panose="020B0604020202020204" pitchFamily="34" charset="0"/>
+              <a:buChar char="•"/>
+            </a:pPr>
+            <a:r>
+              <a:rPr lang="en-US" sz="4000" dirty="0"/>
+              <a:t>Design Challenges: Icons, Navbar</a:t>
             </a:r>
           </a:p>
         </p:txBody>
@@ -5437,10 +5769,10 @@
       </p:sp>
       <p:sp>
         <p:nvSpPr>
-          <p:cNvPr id="5" name="TextBox 4">
-            <a:extLst>
-              <a:ext uri="{FF2B5EF4-FFF2-40B4-BE49-F238E27FC236}">
-                <a16:creationId xmlns:a16="http://schemas.microsoft.com/office/drawing/2014/main" id="{47EC3E3F-1E23-70F6-BBD6-3AE7BC8EBD58}"/>
+          <p:cNvPr id="6" name="TextBox 5">
+            <a:extLst>
+              <a:ext uri="{FF2B5EF4-FFF2-40B4-BE49-F238E27FC236}">
+                <a16:creationId xmlns:a16="http://schemas.microsoft.com/office/drawing/2014/main" id="{957A3C3C-70E4-5B71-74B2-6B2310B390CC}"/>
               </a:ext>
             </a:extLst>
           </p:cNvPr>
@@ -5449,8 +5781,8 @@
         </p:nvSpPr>
         <p:spPr>
           <a:xfrm>
-            <a:off x="213064" y="3429000"/>
-            <a:ext cx="10955045" cy="1200329"/>
+            <a:off x="897621" y="2313396"/>
+            <a:ext cx="7979695" cy="3785652"/>
           </a:xfrm>
           <a:prstGeom prst="rect">
             <a:avLst/>
@@ -5464,22 +5796,48 @@
           <a:lstStyle/>
           <a:p>
             <a:r>
-              <a:rPr lang="en-US" dirty="0"/>
-              <a:t>We used </a:t>
-            </a:r>
-            <a:r>
-              <a:rPr lang="en-US" dirty="0" err="1"/>
+              <a:rPr lang="en-US" sz="4000" dirty="0"/>
+              <a:t>Technologies Used In Creation: </a:t>
+            </a:r>
+          </a:p>
+          <a:p>
+            <a:pPr marL="742950" lvl="1" indent="-285750">
+              <a:buFont typeface="Arial" panose="020B0604020202020204" pitchFamily="34" charset="0"/>
+              <a:buChar char="•"/>
+            </a:pPr>
+            <a:r>
+              <a:rPr lang="en-US" sz="4000" dirty="0"/>
+              <a:t>Figma</a:t>
+            </a:r>
+          </a:p>
+          <a:p>
+            <a:pPr marL="742950" lvl="1" indent="-285750">
+              <a:buFont typeface="Arial" panose="020B0604020202020204" pitchFamily="34" charset="0"/>
+              <a:buChar char="•"/>
+            </a:pPr>
+            <a:r>
+              <a:rPr lang="en-US" sz="4000" dirty="0"/>
               <a:t>VSCode</a:t>
             </a:r>
-            <a:r>
-              <a:rPr lang="en-US" dirty="0"/>
-              <a:t>, Figma. Flutter, and Android App Development Software. </a:t>
-            </a:r>
-          </a:p>
-          <a:p>
-            <a:r>
-              <a:rPr lang="en-US" dirty="0"/>
-              <a:t>The technologies that we used were helpful in supporting the design principles because we were able to more easily craft our app to avoid breaking the principles. Using the emulator we could see how our interfaces looked on a phone and what positioning/sizing made sense.</a:t>
+          </a:p>
+          <a:p>
+            <a:pPr marL="742950" lvl="1" indent="-285750">
+              <a:buFont typeface="Arial" panose="020B0604020202020204" pitchFamily="34" charset="0"/>
+              <a:buChar char="•"/>
+            </a:pPr>
+            <a:r>
+              <a:rPr lang="en-US" sz="4000" dirty="0"/>
+              <a:t>Flutter</a:t>
+            </a:r>
+          </a:p>
+          <a:p>
+            <a:pPr marL="742950" lvl="1" indent="-285750">
+              <a:buFont typeface="Arial" panose="020B0604020202020204" pitchFamily="34" charset="0"/>
+              <a:buChar char="•"/>
+            </a:pPr>
+            <a:r>
+              <a:rPr lang="en-US" sz="4000" dirty="0"/>
+              <a:t>Android Development Toolchain</a:t>
             </a:r>
           </a:p>
         </p:txBody>

--- a/presentables/MapMyShopping Presentation.pptx
+++ b/presentables/MapMyShopping Presentation.pptx
@@ -10,9 +10,9 @@
   <p:sldIdLst>
     <p:sldId id="256" r:id="rId2"/>
     <p:sldId id="257" r:id="rId3"/>
-    <p:sldId id="258" r:id="rId4"/>
-    <p:sldId id="259" r:id="rId5"/>
-    <p:sldId id="260" r:id="rId6"/>
+    <p:sldId id="259" r:id="rId4"/>
+    <p:sldId id="260" r:id="rId5"/>
+    <p:sldId id="258" r:id="rId6"/>
   </p:sldIdLst>
   <p:sldSz cx="12192000" cy="6858000"/>
   <p:notesSz cx="6858000" cy="9144000"/>
@@ -641,7 +641,7 @@
           <a:p>
             <a:fld id="{8602C959-50A3-4B37-8066-C0082B8386FF}" type="slidenum">
               <a:rPr lang="en-US" smtClean="0"/>
-              <a:t>4</a:t>
+              <a:t>3</a:t>
             </a:fld>
             <a:endParaRPr lang="en-US"/>
           </a:p>
@@ -737,7 +737,7 @@
           <a:p>
             <a:fld id="{8602C959-50A3-4B37-8066-C0082B8386FF}" type="slidenum">
               <a:rPr lang="en-US" smtClean="0"/>
-              <a:t>5</a:t>
+              <a:t>4</a:t>
             </a:fld>
             <a:endParaRPr lang="en-US"/>
           </a:p>
@@ -5067,102 +5067,6 @@
       </p:sp>
       <p:sp>
         <p:nvSpPr>
-          <p:cNvPr id="3" name="Content Placeholder 2">
-            <a:extLst>
-              <a:ext uri="{FF2B5EF4-FFF2-40B4-BE49-F238E27FC236}">
-                <a16:creationId xmlns:a16="http://schemas.microsoft.com/office/drawing/2014/main" id="{F9A3712C-6719-3FE5-63DE-C8062DCFA94D}"/>
-              </a:ext>
-            </a:extLst>
-          </p:cNvPr>
-          <p:cNvSpPr>
-            <a:spLocks noGrp="1"/>
-          </p:cNvSpPr>
-          <p:nvPr>
-            <p:ph idx="1"/>
-          </p:nvPr>
-        </p:nvSpPr>
-        <p:spPr>
-          <a:xfrm>
-            <a:off x="10042279" y="497930"/>
-            <a:ext cx="3561667" cy="2794953"/>
-          </a:xfrm>
-        </p:spPr>
-        <p:txBody>
-          <a:bodyPr/>
-          <a:lstStyle/>
-          <a:p>
-            <a:pPr marL="0" indent="0" algn="l">
-              <a:buNone/>
-            </a:pPr>
-            <a:r>
-              <a:rPr lang="en-US" b="0" i="0" dirty="0">
-                <a:solidFill>
-                  <a:srgbClr val="727272"/>
-                </a:solidFill>
-                <a:effectLst/>
-                <a:latin typeface="Noto Sans" panose="020B0502040204020203" pitchFamily="34" charset="0"/>
-              </a:rPr>
-              <a:t>Answer these:</a:t>
-            </a:r>
-          </a:p>
-          <a:p>
-            <a:pPr algn="l">
-              <a:buFont typeface="Arial" panose="020B0604020202020204" pitchFamily="34" charset="0"/>
-              <a:buChar char="•"/>
-            </a:pPr>
-            <a:r>
-              <a:rPr lang="en-US" b="0" i="0" dirty="0">
-                <a:solidFill>
-                  <a:srgbClr val="727272"/>
-                </a:solidFill>
-                <a:effectLst/>
-                <a:latin typeface="Noto Sans" panose="020B0502040204020203" pitchFamily="34" charset="0"/>
-              </a:rPr>
-              <a:t>What is it for?</a:t>
-            </a:r>
-          </a:p>
-          <a:p>
-            <a:pPr algn="l">
-              <a:buFont typeface="Arial" panose="020B0604020202020204" pitchFamily="34" charset="0"/>
-              <a:buChar char="•"/>
-            </a:pPr>
-            <a:r>
-              <a:rPr lang="en-US" b="0" i="0" dirty="0">
-                <a:solidFill>
-                  <a:srgbClr val="727272"/>
-                </a:solidFill>
-                <a:effectLst/>
-                <a:latin typeface="Noto Sans" panose="020B0502040204020203" pitchFamily="34" charset="0"/>
-              </a:rPr>
-              <a:t>Who is it for?</a:t>
-            </a:r>
-          </a:p>
-          <a:p>
-            <a:pPr algn="l">
-              <a:buFont typeface="Arial" panose="020B0604020202020204" pitchFamily="34" charset="0"/>
-              <a:buChar char="•"/>
-            </a:pPr>
-            <a:r>
-              <a:rPr lang="en-US" b="0" i="0" dirty="0">
-                <a:solidFill>
-                  <a:srgbClr val="727272"/>
-                </a:solidFill>
-                <a:effectLst/>
-                <a:latin typeface="Noto Sans" panose="020B0502040204020203" pitchFamily="34" charset="0"/>
-              </a:rPr>
-              <a:t>What user needs does it meet based on what you learned from your research/need finding?</a:t>
-            </a:r>
-          </a:p>
-          <a:p>
-            <a:pPr marL="0" indent="0">
-              <a:buNone/>
-            </a:pPr>
-            <a:endParaRPr lang="en-US" dirty="0"/>
-          </a:p>
-        </p:txBody>
-      </p:sp>
-      <p:sp>
-        <p:nvSpPr>
           <p:cNvPr id="4" name="Slide Number Placeholder 3">
             <a:extLst>
               <a:ext uri="{FF2B5EF4-FFF2-40B4-BE49-F238E27FC236}">
@@ -5292,7 +5196,7 @@
           <p:cNvPr id="2" name="Title 1">
             <a:extLst>
               <a:ext uri="{FF2B5EF4-FFF2-40B4-BE49-F238E27FC236}">
-                <a16:creationId xmlns:a16="http://schemas.microsoft.com/office/drawing/2014/main" id="{FD27F014-B244-7174-93E6-C45F7309151F}"/>
+                <a16:creationId xmlns:a16="http://schemas.microsoft.com/office/drawing/2014/main" id="{6ABE7410-CDCD-F2CD-67DB-236A90B9F8DA}"/>
               </a:ext>
             </a:extLst>
           </p:cNvPr>
@@ -5305,34 +5209,22 @@
         </p:nvSpPr>
         <p:spPr/>
         <p:txBody>
-          <a:bodyPr>
-            <a:normAutofit/>
-          </a:bodyPr>
-          <a:lstStyle/>
-          <a:p>
-            <a:pPr algn="ctr"/>
+          <a:bodyPr/>
+          <a:lstStyle/>
+          <a:p>
             <a:r>
               <a:rPr lang="en-US" dirty="0"/>
-              <a:t>Program</a:t>
-            </a:r>
-            <a:r>
-              <a:rPr lang="en-US" sz="7200" dirty="0"/>
-              <a:t> </a:t>
-            </a:r>
-            <a:r>
-              <a:rPr lang="en-US" dirty="0"/>
-              <a:t>Demonstration</a:t>
-            </a:r>
-            <a:endParaRPr lang="en-US" sz="7200" dirty="0"/>
-          </a:p>
-        </p:txBody>
-      </p:sp>
-      <p:sp>
-        <p:nvSpPr>
-          <p:cNvPr id="5" name="Slide Number Placeholder 4">
-            <a:extLst>
-              <a:ext uri="{FF2B5EF4-FFF2-40B4-BE49-F238E27FC236}">
-                <a16:creationId xmlns:a16="http://schemas.microsoft.com/office/drawing/2014/main" id="{273EF3DE-0E98-6782-9874-0BB6559D4530}"/>
+              <a:t>Design</a:t>
+            </a:r>
+          </a:p>
+        </p:txBody>
+      </p:sp>
+      <p:sp>
+        <p:nvSpPr>
+          <p:cNvPr id="4" name="Slide Number Placeholder 3">
+            <a:extLst>
+              <a:ext uri="{FF2B5EF4-FFF2-40B4-BE49-F238E27FC236}">
+                <a16:creationId xmlns:a16="http://schemas.microsoft.com/office/drawing/2014/main" id="{E2FFBDCC-1AF7-CC40-6055-7E773DD933FA}"/>
               </a:ext>
             </a:extLst>
           </p:cNvPr>
@@ -5358,10 +5250,65 @@
           </a:p>
         </p:txBody>
       </p:sp>
+      <p:sp>
+        <p:nvSpPr>
+          <p:cNvPr id="6" name="TextBox 5">
+            <a:extLst>
+              <a:ext uri="{FF2B5EF4-FFF2-40B4-BE49-F238E27FC236}">
+                <a16:creationId xmlns:a16="http://schemas.microsoft.com/office/drawing/2014/main" id="{AF0FBC7F-BDD7-BD15-0540-A0DB74331848}"/>
+              </a:ext>
+            </a:extLst>
+          </p:cNvPr>
+          <p:cNvSpPr txBox="1"/>
+          <p:nvPr/>
+        </p:nvSpPr>
+        <p:spPr>
+          <a:xfrm>
+            <a:off x="758952" y="2639505"/>
+            <a:ext cx="10124388" cy="3170099"/>
+          </a:xfrm>
+          <a:prstGeom prst="rect">
+            <a:avLst/>
+          </a:prstGeom>
+          <a:noFill/>
+        </p:spPr>
+        <p:txBody>
+          <a:bodyPr wrap="square" rtlCol="0">
+            <a:spAutoFit/>
+          </a:bodyPr>
+          <a:lstStyle/>
+          <a:p>
+            <a:pPr marL="285750" indent="-285750">
+              <a:buFont typeface="Arial" panose="020B0604020202020204" pitchFamily="34" charset="0"/>
+              <a:buChar char="•"/>
+            </a:pPr>
+            <a:r>
+              <a:rPr lang="en-US" sz="4000" dirty="0"/>
+              <a:t>Design Choices: No accounts, Favorites Page, </a:t>
+            </a:r>
+          </a:p>
+          <a:p>
+            <a:r>
+              <a:rPr lang="en-US" sz="4000" dirty="0"/>
+              <a:t>  </a:t>
+            </a:r>
+          </a:p>
+          <a:p>
+            <a:pPr marL="285750" indent="-285750">
+              <a:buFont typeface="Arial" panose="020B0604020202020204" pitchFamily="34" charset="0"/>
+              <a:buChar char="•"/>
+            </a:pPr>
+            <a:r>
+              <a:rPr lang="en-US" sz="4000" dirty="0"/>
+              <a:t>Design Challenges: Map, Searching Stuff, Consistent Lexicon</a:t>
+            </a:r>
+          </a:p>
+        </p:txBody>
+      </p:sp>
     </p:spTree>
     <p:extLst>
       <p:ext uri="{BB962C8B-B14F-4D97-AF65-F5344CB8AC3E}">
-        <p14:creationId xmlns:p14="http://schemas.microsoft.com/office/powerpoint/2010/main" val="650342751"/>
+        <p14:creationId xmlns:p14="http://schemas.microsoft.com/office/powerpoint/2010/main" val="3006860200"/>
       </p:ext>
     </p:extLst>
   </p:cSld>
@@ -5393,7 +5340,7 @@
           <p:cNvPr id="2" name="Title 1">
             <a:extLst>
               <a:ext uri="{FF2B5EF4-FFF2-40B4-BE49-F238E27FC236}">
-                <a16:creationId xmlns:a16="http://schemas.microsoft.com/office/drawing/2014/main" id="{6ABE7410-CDCD-F2CD-67DB-236A90B9F8DA}"/>
+                <a16:creationId xmlns:a16="http://schemas.microsoft.com/office/drawing/2014/main" id="{B39F6BC2-EC58-B560-57E0-5255309A2B3A}"/>
               </a:ext>
             </a:extLst>
           </p:cNvPr>
@@ -5406,130 +5353,15 @@
         </p:nvSpPr>
         <p:spPr/>
         <p:txBody>
-          <a:bodyPr/>
-          <a:lstStyle/>
-          <a:p>
-            <a:r>
-              <a:rPr lang="en-US" dirty="0"/>
-              <a:t>Design</a:t>
-            </a:r>
-          </a:p>
-        </p:txBody>
-      </p:sp>
-      <p:sp>
-        <p:nvSpPr>
-          <p:cNvPr id="3" name="Content Placeholder 2">
-            <a:extLst>
-              <a:ext uri="{FF2B5EF4-FFF2-40B4-BE49-F238E27FC236}">
-                <a16:creationId xmlns:a16="http://schemas.microsoft.com/office/drawing/2014/main" id="{F2DE909D-BC13-7B2A-4BF5-5729E2056FAD}"/>
-              </a:ext>
-            </a:extLst>
-          </p:cNvPr>
-          <p:cNvSpPr>
-            <a:spLocks noGrp="1"/>
-          </p:cNvSpPr>
-          <p:nvPr>
-            <p:ph idx="1"/>
-          </p:nvPr>
-        </p:nvSpPr>
-        <p:spPr>
-          <a:xfrm>
-            <a:off x="7211411" y="-101197"/>
-            <a:ext cx="6245352" cy="2540429"/>
-          </a:xfrm>
-        </p:spPr>
-        <p:txBody>
           <a:bodyPr>
-            <a:normAutofit lnSpcReduction="10000"/>
+            <a:normAutofit/>
           </a:bodyPr>
           <a:lstStyle/>
           <a:p>
-            <a:pPr marL="0" indent="0" algn="l">
-              <a:buNone/>
-            </a:pPr>
-            <a:r>
-              <a:rPr lang="en-US" dirty="0">
-                <a:solidFill>
-                  <a:srgbClr val="727272"/>
-                </a:solidFill>
-                <a:latin typeface="Noto Sans" panose="020B0502040504020204" pitchFamily="34" charset="0"/>
-              </a:rPr>
-              <a:t>Answer the following</a:t>
-            </a:r>
-            <a:endParaRPr lang="en-US" b="0" i="0" dirty="0">
-              <a:solidFill>
-                <a:srgbClr val="727272"/>
-              </a:solidFill>
-              <a:effectLst/>
-              <a:latin typeface="Noto Sans" panose="020B0502040504020204" pitchFamily="34" charset="0"/>
-            </a:endParaRPr>
-          </a:p>
-          <a:p>
-            <a:pPr algn="l">
-              <a:buFont typeface="Arial" panose="020B0604020202020204" pitchFamily="34" charset="0"/>
-              <a:buChar char="•"/>
-            </a:pPr>
-            <a:r>
-              <a:rPr lang="en-US" b="0" i="0" dirty="0">
-                <a:solidFill>
-                  <a:srgbClr val="727272"/>
-                </a:solidFill>
-                <a:effectLst/>
-                <a:latin typeface="Noto Sans" panose="020B0502040504020204" pitchFamily="34" charset="0"/>
-              </a:rPr>
-              <a:t>Explain design choices</a:t>
-            </a:r>
-          </a:p>
-          <a:p>
-            <a:pPr algn="l">
-              <a:buFont typeface="Arial" panose="020B0604020202020204" pitchFamily="34" charset="0"/>
-              <a:buChar char="•"/>
-            </a:pPr>
-            <a:r>
-              <a:rPr lang="en-US" b="0" i="0" dirty="0">
-                <a:solidFill>
-                  <a:srgbClr val="727272"/>
-                </a:solidFill>
-                <a:effectLst/>
-                <a:latin typeface="Noto Sans" panose="020B0502040504020204" pitchFamily="34" charset="0"/>
-              </a:rPr>
-              <a:t>Relate design choices to the principles covered in the course</a:t>
-            </a:r>
-          </a:p>
-          <a:p>
-            <a:pPr algn="l">
-              <a:buFont typeface="Arial" panose="020B0604020202020204" pitchFamily="34" charset="0"/>
-              <a:buChar char="•"/>
-            </a:pPr>
-            <a:r>
-              <a:rPr lang="en-US" b="0" i="0" dirty="0">
-                <a:solidFill>
-                  <a:srgbClr val="727272"/>
-                </a:solidFill>
-                <a:effectLst/>
-                <a:latin typeface="Noto Sans" panose="020B0502040504020204" pitchFamily="34" charset="0"/>
-              </a:rPr>
-              <a:t>What design challenges did you face?</a:t>
-            </a:r>
-          </a:p>
-          <a:p>
-            <a:pPr algn="l">
-              <a:buFont typeface="Arial" panose="020B0604020202020204" pitchFamily="34" charset="0"/>
-              <a:buChar char="•"/>
-            </a:pPr>
-            <a:r>
-              <a:rPr lang="en-US" b="0" i="0" dirty="0">
-                <a:solidFill>
-                  <a:srgbClr val="727272"/>
-                </a:solidFill>
-                <a:effectLst/>
-                <a:latin typeface="Noto Sans" panose="020B0502040504020204" pitchFamily="34" charset="0"/>
-              </a:rPr>
-              <a:t>How did you overcome/work around them?</a:t>
-            </a:r>
-          </a:p>
-          <a:p>
-            <a:endParaRPr lang="en-US" dirty="0"/>
+            <a:r>
+              <a:rPr lang="en-US" sz="4400" dirty="0"/>
+              <a:t>Implementation</a:t>
+            </a:r>
           </a:p>
         </p:txBody>
       </p:sp>
@@ -5538,7 +5370,7 @@
           <p:cNvPr id="4" name="Slide Number Placeholder 3">
             <a:extLst>
               <a:ext uri="{FF2B5EF4-FFF2-40B4-BE49-F238E27FC236}">
-                <a16:creationId xmlns:a16="http://schemas.microsoft.com/office/drawing/2014/main" id="{E2FFBDCC-1AF7-CC40-6055-7E773DD933FA}"/>
+                <a16:creationId xmlns:a16="http://schemas.microsoft.com/office/drawing/2014/main" id="{6E7958AF-0F70-B1C3-D1DB-44FDF8848385}"/>
               </a:ext>
             </a:extLst>
           </p:cNvPr>
@@ -5569,7 +5401,7 @@
           <p:cNvPr id="6" name="TextBox 5">
             <a:extLst>
               <a:ext uri="{FF2B5EF4-FFF2-40B4-BE49-F238E27FC236}">
-                <a16:creationId xmlns:a16="http://schemas.microsoft.com/office/drawing/2014/main" id="{AF0FBC7F-BDD7-BD15-0540-A0DB74331848}"/>
+                <a16:creationId xmlns:a16="http://schemas.microsoft.com/office/drawing/2014/main" id="{957A3C3C-70E4-5B71-74B2-6B2310B390CC}"/>
               </a:ext>
             </a:extLst>
           </p:cNvPr>
@@ -5578,8 +5410,8 @@
         </p:nvSpPr>
         <p:spPr>
           <a:xfrm>
-            <a:off x="758952" y="2639505"/>
-            <a:ext cx="10124388" cy="1938992"/>
+            <a:off x="897621" y="2313396"/>
+            <a:ext cx="7979695" cy="3539430"/>
           </a:xfrm>
           <a:prstGeom prst="rect">
             <a:avLst/>
@@ -5592,29 +5424,67 @@
           </a:bodyPr>
           <a:lstStyle/>
           <a:p>
-            <a:pPr marL="285750" indent="-285750">
+            <a:r>
+              <a:rPr lang="en-US" sz="4000" dirty="0"/>
+              <a:t>Technologies Used In Creation: </a:t>
+            </a:r>
+          </a:p>
+          <a:p>
+            <a:pPr marL="742950" lvl="1" indent="-285750">
               <a:buFont typeface="Arial" panose="020B0604020202020204" pitchFamily="34" charset="0"/>
               <a:buChar char="•"/>
             </a:pPr>
             <a:r>
               <a:rPr lang="en-US" sz="4000" dirty="0"/>
-              <a:t>Design Choices: No accounts, Navbar,</a:t>
-            </a:r>
-          </a:p>
-          <a:p>
-            <a:r>
-              <a:rPr lang="en-US" sz="4000" dirty="0"/>
-              <a:t>  </a:t>
-            </a:r>
-          </a:p>
-          <a:p>
-            <a:pPr marL="285750" indent="-285750">
+              <a:t>Figma</a:t>
+            </a:r>
+          </a:p>
+          <a:p>
+            <a:pPr marL="742950" lvl="1" indent="-285750">
               <a:buFont typeface="Arial" panose="020B0604020202020204" pitchFamily="34" charset="0"/>
               <a:buChar char="•"/>
             </a:pPr>
             <a:r>
               <a:rPr lang="en-US" sz="4000" dirty="0"/>
-              <a:t>Design Challenges: Icons, Navbar</a:t>
+              <a:t>VSCode</a:t>
+            </a:r>
+          </a:p>
+          <a:p>
+            <a:pPr marL="742950" lvl="1" indent="-285750">
+              <a:buFont typeface="Arial" panose="020B0604020202020204" pitchFamily="34" charset="0"/>
+              <a:buChar char="•"/>
+            </a:pPr>
+            <a:r>
+              <a:rPr lang="en-US" sz="4000" dirty="0"/>
+              <a:t>Flutter</a:t>
+            </a:r>
+          </a:p>
+          <a:p>
+            <a:pPr marL="1200150" lvl="2" indent="-285750">
+              <a:buFont typeface="Arial" panose="020B0604020202020204" pitchFamily="34" charset="0"/>
+              <a:buChar char="•"/>
+            </a:pPr>
+            <a:r>
+              <a:rPr lang="en-US" sz="3200" dirty="0"/>
+              <a:t>Hive (fast NoSQL local </a:t>
+            </a:r>
+            <a:r>
+              <a:rPr lang="en-US" sz="3200" dirty="0" err="1"/>
+              <a:t>db</a:t>
+            </a:r>
+            <a:r>
+              <a:rPr lang="en-US" sz="3200" dirty="0"/>
+              <a:t>)</a:t>
+            </a:r>
+          </a:p>
+          <a:p>
+            <a:pPr marL="1200150" lvl="2" indent="-285750">
+              <a:buFont typeface="Arial" panose="020B0604020202020204" pitchFamily="34" charset="0"/>
+              <a:buChar char="•"/>
+            </a:pPr>
+            <a:r>
+              <a:rPr lang="en-US" sz="3200" dirty="0"/>
+              <a:t>Designed for android emulation</a:t>
             </a:r>
           </a:p>
         </p:txBody>
@@ -5622,7 +5492,7 @@
     </p:spTree>
     <p:extLst>
       <p:ext uri="{BB962C8B-B14F-4D97-AF65-F5344CB8AC3E}">
-        <p14:creationId xmlns:p14="http://schemas.microsoft.com/office/powerpoint/2010/main" val="3006860200"/>
+        <p14:creationId xmlns:p14="http://schemas.microsoft.com/office/powerpoint/2010/main" val="1563738742"/>
       </p:ext>
     </p:extLst>
   </p:cSld>
@@ -5654,7 +5524,7 @@
           <p:cNvPr id="2" name="Title 1">
             <a:extLst>
               <a:ext uri="{FF2B5EF4-FFF2-40B4-BE49-F238E27FC236}">
-                <a16:creationId xmlns:a16="http://schemas.microsoft.com/office/drawing/2014/main" id="{B39F6BC2-EC58-B560-57E0-5255309A2B3A}"/>
+                <a16:creationId xmlns:a16="http://schemas.microsoft.com/office/drawing/2014/main" id="{FD27F014-B244-7174-93E6-C45F7309151F}"/>
               </a:ext>
             </a:extLst>
           </p:cNvPr>
@@ -5672,76 +5542,25 @@
           </a:bodyPr>
           <a:lstStyle/>
           <a:p>
-            <a:r>
-              <a:rPr lang="en-US" sz="4400" dirty="0"/>
-              <a:t>Implementation</a:t>
-            </a:r>
-          </a:p>
-        </p:txBody>
-      </p:sp>
-      <p:sp>
-        <p:nvSpPr>
-          <p:cNvPr id="3" name="Content Placeholder 2">
-            <a:extLst>
-              <a:ext uri="{FF2B5EF4-FFF2-40B4-BE49-F238E27FC236}">
-                <a16:creationId xmlns:a16="http://schemas.microsoft.com/office/drawing/2014/main" id="{29C39A18-75DF-9040-6376-968D36B76F47}"/>
-              </a:ext>
-            </a:extLst>
-          </p:cNvPr>
-          <p:cNvSpPr>
-            <a:spLocks noGrp="1"/>
-          </p:cNvSpPr>
-          <p:nvPr>
-            <p:ph idx="1"/>
-          </p:nvPr>
-        </p:nvSpPr>
-        <p:spPr/>
-        <p:txBody>
-          <a:bodyPr/>
-          <a:lstStyle/>
-          <a:p>
-            <a:pPr algn="l">
-              <a:buFont typeface="Arial" panose="020B0604020202020204" pitchFamily="34" charset="0"/>
-              <a:buChar char="•"/>
-            </a:pPr>
-            <a:r>
-              <a:rPr lang="en-US" b="0" i="0" dirty="0">
-                <a:solidFill>
-                  <a:srgbClr val="727272"/>
-                </a:solidFill>
-                <a:effectLst/>
-                <a:latin typeface="Noto Sans" panose="020B0502040504020204" pitchFamily="34" charset="0"/>
-              </a:rPr>
-              <a:t>What did you use to implement your application?</a:t>
-            </a:r>
-          </a:p>
-          <a:p>
-            <a:pPr algn="l">
-              <a:buFont typeface="Arial" panose="020B0604020202020204" pitchFamily="34" charset="0"/>
-              <a:buChar char="•"/>
-            </a:pPr>
-            <a:r>
-              <a:rPr lang="en-US" b="0" i="0" dirty="0">
-                <a:solidFill>
-                  <a:srgbClr val="727272"/>
-                </a:solidFill>
-                <a:effectLst/>
-                <a:latin typeface="Noto Sans" panose="020B0502040504020204" pitchFamily="34" charset="0"/>
-              </a:rPr>
-              <a:t>How well did the technologies support the design principles we’ve discussed?</a:t>
-            </a:r>
-          </a:p>
-          <a:p>
-            <a:endParaRPr lang="en-US" dirty="0"/>
-          </a:p>
-        </p:txBody>
-      </p:sp>
-      <p:sp>
-        <p:nvSpPr>
-          <p:cNvPr id="4" name="Slide Number Placeholder 3">
-            <a:extLst>
-              <a:ext uri="{FF2B5EF4-FFF2-40B4-BE49-F238E27FC236}">
-                <a16:creationId xmlns:a16="http://schemas.microsoft.com/office/drawing/2014/main" id="{6E7958AF-0F70-B1C3-D1DB-44FDF8848385}"/>
+            <a:pPr algn="ctr"/>
+            <a:r>
+              <a:rPr lang="en-US" sz="7200" dirty="0"/>
+              <a:t>App </a:t>
+            </a:r>
+            <a:r>
+              <a:rPr lang="en-US" dirty="0"/>
+              <a:t>Demonstration</a:t>
+            </a:r>
+            <a:endParaRPr lang="en-US" sz="7200" dirty="0"/>
+          </a:p>
+        </p:txBody>
+      </p:sp>
+      <p:sp>
+        <p:nvSpPr>
+          <p:cNvPr id="5" name="Slide Number Placeholder 4">
+            <a:extLst>
+              <a:ext uri="{FF2B5EF4-FFF2-40B4-BE49-F238E27FC236}">
+                <a16:creationId xmlns:a16="http://schemas.microsoft.com/office/drawing/2014/main" id="{273EF3DE-0E98-6782-9874-0BB6559D4530}"/>
               </a:ext>
             </a:extLst>
           </p:cNvPr>
@@ -5767,85 +5586,10 @@
           </a:p>
         </p:txBody>
       </p:sp>
-      <p:sp>
-        <p:nvSpPr>
-          <p:cNvPr id="6" name="TextBox 5">
-            <a:extLst>
-              <a:ext uri="{FF2B5EF4-FFF2-40B4-BE49-F238E27FC236}">
-                <a16:creationId xmlns:a16="http://schemas.microsoft.com/office/drawing/2014/main" id="{957A3C3C-70E4-5B71-74B2-6B2310B390CC}"/>
-              </a:ext>
-            </a:extLst>
-          </p:cNvPr>
-          <p:cNvSpPr txBox="1"/>
-          <p:nvPr/>
-        </p:nvSpPr>
-        <p:spPr>
-          <a:xfrm>
-            <a:off x="897621" y="2313396"/>
-            <a:ext cx="7979695" cy="3785652"/>
-          </a:xfrm>
-          <a:prstGeom prst="rect">
-            <a:avLst/>
-          </a:prstGeom>
-          <a:noFill/>
-        </p:spPr>
-        <p:txBody>
-          <a:bodyPr wrap="square" rtlCol="0">
-            <a:spAutoFit/>
-          </a:bodyPr>
-          <a:lstStyle/>
-          <a:p>
-            <a:r>
-              <a:rPr lang="en-US" sz="4000" dirty="0"/>
-              <a:t>Technologies Used In Creation: </a:t>
-            </a:r>
-          </a:p>
-          <a:p>
-            <a:pPr marL="742950" lvl="1" indent="-285750">
-              <a:buFont typeface="Arial" panose="020B0604020202020204" pitchFamily="34" charset="0"/>
-              <a:buChar char="•"/>
-            </a:pPr>
-            <a:r>
-              <a:rPr lang="en-US" sz="4000" dirty="0"/>
-              <a:t>Figma</a:t>
-            </a:r>
-          </a:p>
-          <a:p>
-            <a:pPr marL="742950" lvl="1" indent="-285750">
-              <a:buFont typeface="Arial" panose="020B0604020202020204" pitchFamily="34" charset="0"/>
-              <a:buChar char="•"/>
-            </a:pPr>
-            <a:r>
-              <a:rPr lang="en-US" sz="4000" dirty="0"/>
-              <a:t>VSCode</a:t>
-            </a:r>
-          </a:p>
-          <a:p>
-            <a:pPr marL="742950" lvl="1" indent="-285750">
-              <a:buFont typeface="Arial" panose="020B0604020202020204" pitchFamily="34" charset="0"/>
-              <a:buChar char="•"/>
-            </a:pPr>
-            <a:r>
-              <a:rPr lang="en-US" sz="4000" dirty="0"/>
-              <a:t>Flutter</a:t>
-            </a:r>
-          </a:p>
-          <a:p>
-            <a:pPr marL="742950" lvl="1" indent="-285750">
-              <a:buFont typeface="Arial" panose="020B0604020202020204" pitchFamily="34" charset="0"/>
-              <a:buChar char="•"/>
-            </a:pPr>
-            <a:r>
-              <a:rPr lang="en-US" sz="4000" dirty="0"/>
-              <a:t>Android Development Toolchain</a:t>
-            </a:r>
-          </a:p>
-        </p:txBody>
-      </p:sp>
     </p:spTree>
     <p:extLst>
       <p:ext uri="{BB962C8B-B14F-4D97-AF65-F5344CB8AC3E}">
-        <p14:creationId xmlns:p14="http://schemas.microsoft.com/office/powerpoint/2010/main" val="1563738742"/>
+        <p14:creationId xmlns:p14="http://schemas.microsoft.com/office/powerpoint/2010/main" val="650342751"/>
       </p:ext>
     </p:extLst>
   </p:cSld>

--- a/presentables/MapMyShopping Presentation.pptx
+++ b/presentables/MapMyShopping Presentation.pptx
@@ -5284,7 +5284,7 @@
             </a:pPr>
             <a:r>
               <a:rPr lang="en-US" sz="4000" dirty="0"/>
-              <a:t>Design Choices: No accounts, Favorites Page, </a:t>
+              <a:t>Design Choices: No accounts, Favorites Page </a:t>
             </a:r>
           </a:p>
           <a:p>
